--- a/Presentation/4 Rui Huang.pptx
+++ b/Presentation/4 Rui Huang.pptx
@@ -202,7 +202,7 @@
           <a:p>
             <a:fld id="{30E34E00-91C5-014E-9953-F80868D57424}" type="datetimeFigureOut">
               <a:rPr lang="en-US" smtClean="0"/>
-              <a:t>10/18/20</a:t>
+              <a:t>10/19/20</a:t>
             </a:fld>
             <a:endParaRPr lang="en-US"/>
           </a:p>
@@ -788,7 +788,7 @@
           <a:p>
             <a:fld id="{4E0FF5E2-BA4C-5649-8A85-E0F83A696451}" type="datetimeFigureOut">
               <a:rPr lang="en-US" smtClean="0"/>
-              <a:t>10/18/20</a:t>
+              <a:t>10/19/20</a:t>
             </a:fld>
             <a:endParaRPr lang="en-US"/>
           </a:p>
@@ -986,7 +986,7 @@
           <a:p>
             <a:fld id="{4E0FF5E2-BA4C-5649-8A85-E0F83A696451}" type="datetimeFigureOut">
               <a:rPr lang="en-US" smtClean="0"/>
-              <a:t>10/18/20</a:t>
+              <a:t>10/19/20</a:t>
             </a:fld>
             <a:endParaRPr lang="en-US"/>
           </a:p>
@@ -1194,7 +1194,7 @@
           <a:p>
             <a:fld id="{4E0FF5E2-BA4C-5649-8A85-E0F83A696451}" type="datetimeFigureOut">
               <a:rPr lang="en-US" smtClean="0"/>
-              <a:t>10/18/20</a:t>
+              <a:t>10/19/20</a:t>
             </a:fld>
             <a:endParaRPr lang="en-US"/>
           </a:p>
@@ -1392,7 +1392,7 @@
           <a:p>
             <a:fld id="{4E0FF5E2-BA4C-5649-8A85-E0F83A696451}" type="datetimeFigureOut">
               <a:rPr lang="en-US" smtClean="0"/>
-              <a:t>10/18/20</a:t>
+              <a:t>10/19/20</a:t>
             </a:fld>
             <a:endParaRPr lang="en-US"/>
           </a:p>
@@ -1667,7 +1667,7 @@
           <a:p>
             <a:fld id="{4E0FF5E2-BA4C-5649-8A85-E0F83A696451}" type="datetimeFigureOut">
               <a:rPr lang="en-US" smtClean="0"/>
-              <a:t>10/18/20</a:t>
+              <a:t>10/19/20</a:t>
             </a:fld>
             <a:endParaRPr lang="en-US"/>
           </a:p>
@@ -1932,7 +1932,7 @@
           <a:p>
             <a:fld id="{4E0FF5E2-BA4C-5649-8A85-E0F83A696451}" type="datetimeFigureOut">
               <a:rPr lang="en-US" smtClean="0"/>
-              <a:t>10/18/20</a:t>
+              <a:t>10/19/20</a:t>
             </a:fld>
             <a:endParaRPr lang="en-US"/>
           </a:p>
@@ -2344,7 +2344,7 @@
           <a:p>
             <a:fld id="{4E0FF5E2-BA4C-5649-8A85-E0F83A696451}" type="datetimeFigureOut">
               <a:rPr lang="en-US" smtClean="0"/>
-              <a:t>10/18/20</a:t>
+              <a:t>10/19/20</a:t>
             </a:fld>
             <a:endParaRPr lang="en-US"/>
           </a:p>
@@ -2485,7 +2485,7 @@
           <a:p>
             <a:fld id="{4E0FF5E2-BA4C-5649-8A85-E0F83A696451}" type="datetimeFigureOut">
               <a:rPr lang="en-US" smtClean="0"/>
-              <a:t>10/18/20</a:t>
+              <a:t>10/19/20</a:t>
             </a:fld>
             <a:endParaRPr lang="en-US"/>
           </a:p>
@@ -2598,7 +2598,7 @@
           <a:p>
             <a:fld id="{4E0FF5E2-BA4C-5649-8A85-E0F83A696451}" type="datetimeFigureOut">
               <a:rPr lang="en-US" smtClean="0"/>
-              <a:t>10/18/20</a:t>
+              <a:t>10/19/20</a:t>
             </a:fld>
             <a:endParaRPr lang="en-US"/>
           </a:p>
@@ -2909,7 +2909,7 @@
           <a:p>
             <a:fld id="{4E0FF5E2-BA4C-5649-8A85-E0F83A696451}" type="datetimeFigureOut">
               <a:rPr lang="en-US" smtClean="0"/>
-              <a:t>10/18/20</a:t>
+              <a:t>10/19/20</a:t>
             </a:fld>
             <a:endParaRPr lang="en-US"/>
           </a:p>
@@ -3197,7 +3197,7 @@
           <a:p>
             <a:fld id="{4E0FF5E2-BA4C-5649-8A85-E0F83A696451}" type="datetimeFigureOut">
               <a:rPr lang="en-US" smtClean="0"/>
-              <a:t>10/18/20</a:t>
+              <a:t>10/19/20</a:t>
             </a:fld>
             <a:endParaRPr lang="en-US"/>
           </a:p>
@@ -3438,7 +3438,7 @@
           <a:p>
             <a:fld id="{4E0FF5E2-BA4C-5649-8A85-E0F83A696451}" type="datetimeFigureOut">
               <a:rPr lang="en-US" smtClean="0"/>
-              <a:t>10/18/20</a:t>
+              <a:t>10/19/20</a:t>
             </a:fld>
             <a:endParaRPr lang="en-US"/>
           </a:p>
@@ -3871,48 +3871,55 @@
             <p:ph type="title"/>
           </p:nvPr>
         </p:nvSpPr>
-        <p:spPr/>
-        <p:txBody>
-          <a:bodyPr/>
+        <p:spPr>
+          <a:xfrm>
+            <a:off x="63957" y="18255"/>
+            <a:ext cx="10515600" cy="1325563"/>
+          </a:xfrm>
+        </p:spPr>
+        <p:txBody>
+          <a:bodyPr>
+            <a:normAutofit/>
+          </a:bodyPr>
           <a:lstStyle/>
           <a:p>
             <a:r>
-              <a:rPr lang="en-US" dirty="0"/>
+              <a:rPr lang="en-US" sz="3600" dirty="0"/>
               <a:t>Model </a:t>
             </a:r>
             <a:r>
-              <a:rPr lang="en-US" altLang="zh-CN" dirty="0"/>
+              <a:rPr lang="en-US" altLang="zh-CN" sz="3600" dirty="0"/>
               <a:t>D</a:t>
             </a:r>
             <a:r>
-              <a:rPr lang="en-US" dirty="0"/>
+              <a:rPr lang="en-US" sz="3600" dirty="0"/>
               <a:t>iagnosis</a:t>
             </a:r>
             <a:r>
-              <a:rPr lang="zh-CN" altLang="en-US" dirty="0"/>
-              <a:t> </a:t>
-            </a:r>
-            <a:r>
-              <a:rPr lang="en-US" altLang="zh-CN" dirty="0"/>
+              <a:rPr lang="zh-CN" altLang="en-US" sz="3600" dirty="0"/>
+              <a:t> </a:t>
+            </a:r>
+            <a:r>
+              <a:rPr lang="en-US" altLang="zh-CN" sz="3600" dirty="0"/>
               <a:t>–</a:t>
             </a:r>
             <a:r>
-              <a:rPr lang="zh-CN" altLang="en-US" dirty="0"/>
-              <a:t> </a:t>
-            </a:r>
-            <a:r>
-              <a:rPr lang="en-US" altLang="zh-CN" dirty="0"/>
+              <a:rPr lang="zh-CN" altLang="en-US" sz="3600" dirty="0"/>
+              <a:t> </a:t>
+            </a:r>
+            <a:r>
+              <a:rPr lang="en-US" altLang="zh-CN" sz="3600" dirty="0"/>
               <a:t>Cook’s</a:t>
             </a:r>
             <a:r>
-              <a:rPr lang="zh-CN" altLang="en-US" dirty="0"/>
-              <a:t> </a:t>
-            </a:r>
-            <a:r>
-              <a:rPr lang="en-US" altLang="zh-CN" dirty="0"/>
+              <a:rPr lang="zh-CN" altLang="en-US" sz="3600" dirty="0"/>
+              <a:t> </a:t>
+            </a:r>
+            <a:r>
+              <a:rPr lang="en-US" altLang="zh-CN" sz="3600" dirty="0"/>
               <a:t>Distance</a:t>
             </a:r>
-            <a:endParaRPr lang="en-US" dirty="0"/>
+            <a:endParaRPr lang="en-US" sz="3600" dirty="0"/>
           </a:p>
         </p:txBody>
       </p:sp>
@@ -4068,7 +4075,31 @@
           <a:p>
             <a:r>
               <a:rPr lang="en-US" altLang="zh-CN" sz="2000" dirty="0"/>
-              <a:t>No influential observation.</a:t>
+              <a:t>No influential observation</a:t>
+            </a:r>
+            <a:r>
+              <a:rPr lang="zh-CN" altLang="en-US" sz="2000" dirty="0"/>
+              <a:t> </a:t>
+            </a:r>
+            <a:r>
+              <a:rPr lang="en-US" altLang="zh-CN" sz="2000" dirty="0"/>
+              <a:t>after</a:t>
+            </a:r>
+            <a:r>
+              <a:rPr lang="zh-CN" altLang="en-US" sz="2000" dirty="0"/>
+              <a:t> </a:t>
+            </a:r>
+            <a:r>
+              <a:rPr lang="en-US" altLang="zh-CN" sz="2000" dirty="0"/>
+              <a:t>removing</a:t>
+            </a:r>
+            <a:r>
+              <a:rPr lang="zh-CN" altLang="en-US" sz="2000" dirty="0"/>
+              <a:t> </a:t>
+            </a:r>
+            <a:r>
+              <a:rPr lang="en-US" altLang="zh-CN" sz="2000" dirty="0"/>
+              <a:t>ID39.</a:t>
             </a:r>
             <a:endParaRPr lang="en-US" sz="2000" dirty="0"/>
           </a:p>
@@ -4076,10 +4107,10 @@
       </p:sp>
       <p:pic>
         <p:nvPicPr>
-          <p:cNvPr id="6" name="Picture 5" descr="Graphical user interface, chart&#10;&#10;Description automatically generated">
-            <a:extLst>
-              <a:ext uri="{FF2B5EF4-FFF2-40B4-BE49-F238E27FC236}">
-                <a16:creationId xmlns:a16="http://schemas.microsoft.com/office/drawing/2014/main" id="{D361B590-C3CC-DF4D-BF84-92B6A6702007}"/>
+          <p:cNvPr id="4" name="Picture 3">
+            <a:extLst>
+              <a:ext uri="{FF2B5EF4-FFF2-40B4-BE49-F238E27FC236}">
+                <a16:creationId xmlns:a16="http://schemas.microsoft.com/office/drawing/2014/main" id="{1EE4BC85-FBE6-094A-BEE3-65EEB1C856FD}"/>
               </a:ext>
             </a:extLst>
           </p:cNvPr>
@@ -4090,36 +4121,6 @@
         </p:nvPicPr>
         <p:blipFill>
           <a:blip r:embed="rId4"/>
-          <a:stretch>
-            <a:fillRect/>
-          </a:stretch>
-        </p:blipFill>
-        <p:spPr>
-          <a:xfrm>
-            <a:off x="6540712" y="1475567"/>
-            <a:ext cx="4701396" cy="4701396"/>
-          </a:xfrm>
-          <a:prstGeom prst="rect">
-            <a:avLst/>
-          </a:prstGeom>
-        </p:spPr>
-      </p:pic>
-      <p:pic>
-        <p:nvPicPr>
-          <p:cNvPr id="4" name="Picture 3">
-            <a:extLst>
-              <a:ext uri="{FF2B5EF4-FFF2-40B4-BE49-F238E27FC236}">
-                <a16:creationId xmlns:a16="http://schemas.microsoft.com/office/drawing/2014/main" id="{1EE4BC85-FBE6-094A-BEE3-65EEB1C856FD}"/>
-              </a:ext>
-            </a:extLst>
-          </p:cNvPr>
-          <p:cNvPicPr>
-            <a:picLocks noChangeAspect="1"/>
-          </p:cNvPicPr>
-          <p:nvPr/>
-        </p:nvPicPr>
-        <p:blipFill>
-          <a:blip r:embed="rId5"/>
           <a:stretch>
             <a:fillRect/>
           </a:stretch>
@@ -4157,7 +4158,7 @@
           </p:nvPr>
         </p:nvPicPr>
         <p:blipFill>
-          <a:blip r:embed="rId6"/>
+          <a:blip r:embed="rId5"/>
           <a:stretch>
             <a:fillRect/>
           </a:stretch>
@@ -4166,6 +4167,36 @@
           <a:xfrm>
             <a:off x="11226800" y="5892800"/>
             <a:ext cx="812800" cy="812800"/>
+          </a:xfrm>
+          <a:prstGeom prst="rect">
+            <a:avLst/>
+          </a:prstGeom>
+        </p:spPr>
+      </p:pic>
+      <p:pic>
+        <p:nvPicPr>
+          <p:cNvPr id="7" name="Picture 6" descr="Graphical user interface, chart&#10;&#10;Description automatically generated">
+            <a:extLst>
+              <a:ext uri="{FF2B5EF4-FFF2-40B4-BE49-F238E27FC236}">
+                <a16:creationId xmlns:a16="http://schemas.microsoft.com/office/drawing/2014/main" id="{3A01DD99-B8A4-0C46-9C44-93FF52F29636}"/>
+              </a:ext>
+            </a:extLst>
+          </p:cNvPr>
+          <p:cNvPicPr>
+            <a:picLocks noChangeAspect="1"/>
+          </p:cNvPicPr>
+          <p:nvPr/>
+        </p:nvPicPr>
+        <p:blipFill>
+          <a:blip r:embed="rId6"/>
+          <a:stretch>
+            <a:fillRect/>
+          </a:stretch>
+        </p:blipFill>
+        <p:spPr>
+          <a:xfrm>
+            <a:off x="6377481" y="812800"/>
+            <a:ext cx="5578475" cy="5578475"/>
           </a:xfrm>
           <a:prstGeom prst="rect">
             <a:avLst/>
@@ -4313,40 +4344,47 @@
             <p:ph type="title"/>
           </p:nvPr>
         </p:nvSpPr>
-        <p:spPr/>
-        <p:txBody>
-          <a:bodyPr/>
+        <p:spPr>
+          <a:xfrm>
+            <a:off x="323175" y="99753"/>
+            <a:ext cx="10515600" cy="1325563"/>
+          </a:xfrm>
+        </p:spPr>
+        <p:txBody>
+          <a:bodyPr>
+            <a:normAutofit/>
+          </a:bodyPr>
           <a:lstStyle/>
           <a:p>
             <a:r>
-              <a:rPr lang="en-US" dirty="0"/>
+              <a:rPr lang="en-US" sz="3600" dirty="0"/>
               <a:t>Model </a:t>
             </a:r>
             <a:r>
-              <a:rPr lang="en-US" altLang="zh-CN" dirty="0"/>
+              <a:rPr lang="en-US" altLang="zh-CN" sz="3600" dirty="0"/>
               <a:t>D</a:t>
             </a:r>
             <a:r>
-              <a:rPr lang="en-US" dirty="0"/>
+              <a:rPr lang="en-US" sz="3600" dirty="0"/>
               <a:t>iagnosis</a:t>
             </a:r>
             <a:r>
-              <a:rPr lang="zh-CN" altLang="en-US" dirty="0"/>
-              <a:t> </a:t>
-            </a:r>
-            <a:r>
-              <a:rPr lang="en-US" altLang="zh-CN" dirty="0"/>
+              <a:rPr lang="zh-CN" altLang="en-US" sz="3600" dirty="0"/>
+              <a:t> </a:t>
+            </a:r>
+            <a:r>
+              <a:rPr lang="en-US" altLang="zh-CN" sz="3600" dirty="0"/>
               <a:t>-</a:t>
             </a:r>
             <a:r>
-              <a:rPr lang="zh-CN" altLang="en-US" dirty="0"/>
-              <a:t> </a:t>
-            </a:r>
-            <a:r>
-              <a:rPr lang="en-US" altLang="zh-CN" dirty="0"/>
+              <a:rPr lang="zh-CN" altLang="en-US" sz="3600" dirty="0"/>
+              <a:t> </a:t>
+            </a:r>
+            <a:r>
+              <a:rPr lang="en-US" altLang="zh-CN" sz="3600" dirty="0"/>
               <a:t>DFFITS</a:t>
             </a:r>
-            <a:endParaRPr lang="en-US" dirty="0"/>
+            <a:endParaRPr lang="en-US" sz="3600" dirty="0"/>
           </a:p>
         </p:txBody>
       </p:sp>
@@ -4512,10 +4550,10 @@
       </p:sp>
       <p:pic>
         <p:nvPicPr>
-          <p:cNvPr id="6" name="Picture 5" descr="Chart, scatter chart&#10;&#10;Description automatically generated">
-            <a:extLst>
-              <a:ext uri="{FF2B5EF4-FFF2-40B4-BE49-F238E27FC236}">
-                <a16:creationId xmlns:a16="http://schemas.microsoft.com/office/drawing/2014/main" id="{20FF5200-97FE-8841-B09A-8D8BC519AEB3}"/>
+          <p:cNvPr id="5" name="Picture 4">
+            <a:extLst>
+              <a:ext uri="{FF2B5EF4-FFF2-40B4-BE49-F238E27FC236}">
+                <a16:creationId xmlns:a16="http://schemas.microsoft.com/office/drawing/2014/main" id="{3BD2D540-A0BF-3340-93F8-06A97D6ADBFF}"/>
               </a:ext>
             </a:extLst>
           </p:cNvPr>
@@ -4526,36 +4564,6 @@
         </p:nvPicPr>
         <p:blipFill>
           <a:blip r:embed="rId4"/>
-          <a:stretch>
-            <a:fillRect/>
-          </a:stretch>
-        </p:blipFill>
-        <p:spPr>
-          <a:xfrm>
-            <a:off x="6384326" y="1408946"/>
-            <a:ext cx="4873925" cy="4873925"/>
-          </a:xfrm>
-          <a:prstGeom prst="rect">
-            <a:avLst/>
-          </a:prstGeom>
-        </p:spPr>
-      </p:pic>
-      <p:pic>
-        <p:nvPicPr>
-          <p:cNvPr id="5" name="Picture 4">
-            <a:extLst>
-              <a:ext uri="{FF2B5EF4-FFF2-40B4-BE49-F238E27FC236}">
-                <a16:creationId xmlns:a16="http://schemas.microsoft.com/office/drawing/2014/main" id="{3BD2D540-A0BF-3340-93F8-06A97D6ADBFF}"/>
-              </a:ext>
-            </a:extLst>
-          </p:cNvPr>
-          <p:cNvPicPr>
-            <a:picLocks noChangeAspect="1"/>
-          </p:cNvPicPr>
-          <p:nvPr/>
-        </p:nvPicPr>
-        <p:blipFill>
-          <a:blip r:embed="rId5"/>
           <a:stretch>
             <a:fillRect/>
           </a:stretch>
@@ -4593,7 +4601,7 @@
           </p:nvPr>
         </p:nvPicPr>
         <p:blipFill>
-          <a:blip r:embed="rId6"/>
+          <a:blip r:embed="rId5"/>
           <a:stretch>
             <a:fillRect/>
           </a:stretch>
@@ -4602,6 +4610,36 @@
           <a:xfrm>
             <a:off x="11226800" y="5892800"/>
             <a:ext cx="812800" cy="812800"/>
+          </a:xfrm>
+          <a:prstGeom prst="rect">
+            <a:avLst/>
+          </a:prstGeom>
+        </p:spPr>
+      </p:pic>
+      <p:pic>
+        <p:nvPicPr>
+          <p:cNvPr id="7" name="Picture 6" descr="Chart, scatter chart&#10;&#10;Description automatically generated">
+            <a:extLst>
+              <a:ext uri="{FF2B5EF4-FFF2-40B4-BE49-F238E27FC236}">
+                <a16:creationId xmlns:a16="http://schemas.microsoft.com/office/drawing/2014/main" id="{75E3E571-C16F-CC46-85AE-5140C03220D8}"/>
+              </a:ext>
+            </a:extLst>
+          </p:cNvPr>
+          <p:cNvPicPr>
+            <a:picLocks noChangeAspect="1"/>
+          </p:cNvPicPr>
+          <p:nvPr/>
+        </p:nvPicPr>
+        <p:blipFill>
+          <a:blip r:embed="rId6"/>
+          <a:stretch>
+            <a:fillRect/>
+          </a:stretch>
+        </p:blipFill>
+        <p:spPr>
+          <a:xfrm>
+            <a:off x="6790726" y="939106"/>
+            <a:ext cx="5248874" cy="5248874"/>
           </a:xfrm>
           <a:prstGeom prst="rect">
             <a:avLst/>
@@ -4751,48 +4789,50 @@
         </p:nvSpPr>
         <p:spPr>
           <a:xfrm>
-            <a:off x="275421" y="298349"/>
+            <a:off x="150644" y="171827"/>
             <a:ext cx="10515600" cy="1325563"/>
           </a:xfrm>
         </p:spPr>
         <p:txBody>
-          <a:bodyPr/>
+          <a:bodyPr>
+            <a:normAutofit/>
+          </a:bodyPr>
           <a:lstStyle/>
           <a:p>
             <a:r>
-              <a:rPr lang="en-US" dirty="0"/>
+              <a:rPr lang="en-US" sz="3600" dirty="0"/>
               <a:t>Model </a:t>
             </a:r>
             <a:r>
-              <a:rPr lang="en-US" altLang="zh-CN" dirty="0"/>
+              <a:rPr lang="en-US" altLang="zh-CN" sz="3600" dirty="0"/>
               <a:t>D</a:t>
             </a:r>
             <a:r>
-              <a:rPr lang="en-US" dirty="0"/>
+              <a:rPr lang="en-US" sz="3600" dirty="0"/>
               <a:t>iagnosis</a:t>
             </a:r>
             <a:r>
-              <a:rPr lang="zh-CN" altLang="en-US" dirty="0"/>
-              <a:t> </a:t>
-            </a:r>
-            <a:r>
-              <a:rPr lang="en-US" altLang="zh-CN" dirty="0"/>
+              <a:rPr lang="zh-CN" altLang="en-US" sz="3600" dirty="0"/>
+              <a:t> </a:t>
+            </a:r>
+            <a:r>
+              <a:rPr lang="en-US" altLang="zh-CN" sz="3600" dirty="0"/>
               <a:t>-</a:t>
             </a:r>
             <a:r>
-              <a:rPr lang="zh-CN" altLang="en-US" dirty="0"/>
-              <a:t> </a:t>
-            </a:r>
-            <a:r>
-              <a:rPr lang="en-US" altLang="zh-CN" dirty="0"/>
+              <a:rPr lang="zh-CN" altLang="en-US" sz="3600" dirty="0"/>
+              <a:t> </a:t>
+            </a:r>
+            <a:r>
+              <a:rPr lang="en-US" altLang="zh-CN" sz="3600" dirty="0"/>
               <a:t>DFBETAS</a:t>
             </a:r>
-            <a:endParaRPr lang="en-US" dirty="0"/>
-          </a:p>
-        </p:txBody>
-      </p:sp>
-      <mc:AlternateContent xmlns:mc="http://schemas.openxmlformats.org/markup-compatibility/2006" xmlns:a14="http://schemas.microsoft.com/office/drawing/2010/main">
-        <mc:Choice Requires="a14">
+            <a:endParaRPr lang="en-US" sz="3600" dirty="0"/>
+          </a:p>
+        </p:txBody>
+      </p:sp>
+      <mc:AlternateContent xmlns:mc="http://schemas.openxmlformats.org/markup-compatibility/2006">
+        <mc:Choice xmlns:a14="http://schemas.microsoft.com/office/drawing/2010/main" Requires="a14">
           <p:sp>
             <p:nvSpPr>
               <p:cNvPr id="3" name="Content Placeholder 2">
@@ -5031,7 +5071,7 @@
             </p:txBody>
           </p:sp>
         </mc:Choice>
-        <mc:Fallback xmlns="">
+        <mc:Fallback>
           <p:sp>
             <p:nvSpPr>
               <p:cNvPr id="3" name="Content Placeholder 2">
@@ -5056,7 +5096,7 @@
               <a:blipFill>
                 <a:blip r:embed="rId5"/>
                 <a:stretch>
-                  <a:fillRect l="-1058" t="-1453" r="-1587"/>
+                  <a:fillRect l="-1323" t="-1749" r="-1587"/>
                 </a:stretch>
               </a:blipFill>
             </p:spPr>
@@ -5107,17 +5147,25 @@
       </p:pic>
       <p:pic>
         <p:nvPicPr>
-          <p:cNvPr id="6" name="Picture 5" descr="Chart, scatter chart&#10;&#10;Description automatically generated">
-            <a:extLst>
-              <a:ext uri="{FF2B5EF4-FFF2-40B4-BE49-F238E27FC236}">
-                <a16:creationId xmlns:a16="http://schemas.microsoft.com/office/drawing/2014/main" id="{FD61860C-9AF7-744F-AEB3-DE440F6A98A4}"/>
+          <p:cNvPr id="15" name="Audio 14">
+            <a:hlinkClick r:id="" action="ppaction://media"/>
+            <a:extLst>
+              <a:ext uri="{FF2B5EF4-FFF2-40B4-BE49-F238E27FC236}">
+                <a16:creationId xmlns:a16="http://schemas.microsoft.com/office/drawing/2014/main" id="{8A888A97-CE0E-5F41-95CE-BCAB4DC018A0}"/>
               </a:ext>
             </a:extLst>
           </p:cNvPr>
           <p:cNvPicPr>
             <a:picLocks noChangeAspect="1"/>
           </p:cNvPicPr>
-          <p:nvPr/>
+          <p:nvPr>
+            <a:audioFile r:link="rId2"/>
+            <p:extLst>
+              <p:ext uri="{DAA4B4D4-6D71-4841-9C94-3DE7FCFB9230}">
+                <p14:media xmlns:p14="http://schemas.microsoft.com/office/powerpoint/2010/main" r:embed="rId1"/>
+              </p:ext>
+            </p:extLst>
+          </p:nvPr>
         </p:nvPicPr>
         <p:blipFill>
           <a:blip r:embed="rId7"/>
@@ -5127,8 +5175,8 @@
         </p:blipFill>
         <p:spPr>
           <a:xfrm>
-            <a:off x="8609648" y="3551069"/>
-            <a:ext cx="3306932" cy="3306932"/>
+            <a:off x="11226800" y="5892800"/>
+            <a:ext cx="812800" cy="812800"/>
           </a:xfrm>
           <a:prstGeom prst="rect">
             <a:avLst/>
@@ -5137,10 +5185,10 @@
       </p:pic>
       <p:pic>
         <p:nvPicPr>
-          <p:cNvPr id="8" name="Picture 7" descr="Chart, scatter chart&#10;&#10;Description automatically generated">
-            <a:extLst>
-              <a:ext uri="{FF2B5EF4-FFF2-40B4-BE49-F238E27FC236}">
-                <a16:creationId xmlns:a16="http://schemas.microsoft.com/office/drawing/2014/main" id="{BE5F4DAD-4655-4B40-91FC-C9CF9DE41F05}"/>
+          <p:cNvPr id="9" name="Picture 8" descr="Chart, scatter chart&#10;&#10;Description automatically generated">
+            <a:extLst>
+              <a:ext uri="{FF2B5EF4-FFF2-40B4-BE49-F238E27FC236}">
+                <a16:creationId xmlns:a16="http://schemas.microsoft.com/office/drawing/2014/main" id="{9E696858-555B-334D-859C-5C1DCEC9AC6B}"/>
               </a:ext>
             </a:extLst>
           </p:cNvPr>
@@ -5157,8 +5205,8 @@
         </p:blipFill>
         <p:spPr>
           <a:xfrm>
-            <a:off x="5250303" y="1977993"/>
-            <a:ext cx="3306932" cy="3306932"/>
+            <a:off x="5197890" y="1713363"/>
+            <a:ext cx="3518452" cy="3518452"/>
           </a:xfrm>
           <a:prstGeom prst="rect">
             <a:avLst/>
@@ -5167,10 +5215,10 @@
       </p:pic>
       <p:pic>
         <p:nvPicPr>
-          <p:cNvPr id="10" name="Picture 9" descr="Chart, scatter chart&#10;&#10;Description automatically generated">
-            <a:extLst>
-              <a:ext uri="{FF2B5EF4-FFF2-40B4-BE49-F238E27FC236}">
-                <a16:creationId xmlns:a16="http://schemas.microsoft.com/office/drawing/2014/main" id="{689A2A2A-DEF0-9440-9402-1C6752856D62}"/>
+          <p:cNvPr id="11" name="Picture 10" descr="Chart, scatter chart&#10;&#10;Description automatically generated">
+            <a:extLst>
+              <a:ext uri="{FF2B5EF4-FFF2-40B4-BE49-F238E27FC236}">
+                <a16:creationId xmlns:a16="http://schemas.microsoft.com/office/drawing/2014/main" id="{37E0DFD3-C887-2844-B0C4-C33CBCBC6AEF}"/>
               </a:ext>
             </a:extLst>
           </p:cNvPr>
@@ -5187,8 +5235,8 @@
         </p:blipFill>
         <p:spPr>
           <a:xfrm>
-            <a:off x="8609647" y="175694"/>
-            <a:ext cx="3306932" cy="3306932"/>
+            <a:off x="8716342" y="3429000"/>
+            <a:ext cx="3429000" cy="3429000"/>
           </a:xfrm>
           <a:prstGeom prst="rect">
             <a:avLst/>
@@ -5197,25 +5245,17 @@
       </p:pic>
       <p:pic>
         <p:nvPicPr>
-          <p:cNvPr id="15" name="Audio 14">
-            <a:hlinkClick r:id="" action="ppaction://media"/>
-            <a:extLst>
-              <a:ext uri="{FF2B5EF4-FFF2-40B4-BE49-F238E27FC236}">
-                <a16:creationId xmlns:a16="http://schemas.microsoft.com/office/drawing/2014/main" id="{8A888A97-CE0E-5F41-95CE-BCAB4DC018A0}"/>
+          <p:cNvPr id="12" name="Picture 11" descr="Chart, scatter chart&#10;&#10;Description automatically generated">
+            <a:extLst>
+              <a:ext uri="{FF2B5EF4-FFF2-40B4-BE49-F238E27FC236}">
+                <a16:creationId xmlns:a16="http://schemas.microsoft.com/office/drawing/2014/main" id="{7A0EDCBE-5F9D-5940-97FF-1DDA36EA93A9}"/>
               </a:ext>
             </a:extLst>
           </p:cNvPr>
           <p:cNvPicPr>
             <a:picLocks noChangeAspect="1"/>
           </p:cNvPicPr>
-          <p:nvPr>
-            <a:audioFile r:link="rId2"/>
-            <p:extLst>
-              <p:ext uri="{DAA4B4D4-6D71-4841-9C94-3DE7FCFB9230}">
-                <p14:media xmlns:p14="http://schemas.microsoft.com/office/powerpoint/2010/main" r:embed="rId1"/>
-              </p:ext>
-            </p:extLst>
-          </p:nvPr>
+          <p:nvPr/>
         </p:nvPicPr>
         <p:blipFill>
           <a:blip r:embed="rId10"/>
@@ -5225,8 +5265,8 @@
         </p:blipFill>
         <p:spPr>
           <a:xfrm>
-            <a:off x="11226800" y="5892800"/>
-            <a:ext cx="812800" cy="812800"/>
+            <a:off x="8722226" y="20419"/>
+            <a:ext cx="3319130" cy="3319130"/>
           </a:xfrm>
           <a:prstGeom prst="rect">
             <a:avLst/>
@@ -5503,6 +5543,30 @@
               <a:rPr lang="en-US" altLang="zh-CN" sz="2000" dirty="0"/>
               <a:t>rule</a:t>
             </a:r>
+            <a:r>
+              <a:rPr lang="zh-CN" altLang="en-US" sz="2000" dirty="0"/>
+              <a:t> </a:t>
+            </a:r>
+            <a:r>
+              <a:rPr lang="en-US" altLang="zh-CN" sz="2000" dirty="0"/>
+              <a:t>with</a:t>
+            </a:r>
+            <a:r>
+              <a:rPr lang="zh-CN" altLang="en-US" sz="2000" dirty="0"/>
+              <a:t> </a:t>
+            </a:r>
+            <a:r>
+              <a:rPr lang="en-US" altLang="zh-CN" sz="2000" dirty="0"/>
+              <a:t>two</a:t>
+            </a:r>
+            <a:r>
+              <a:rPr lang="zh-CN" altLang="en-US" sz="2000" dirty="0"/>
+              <a:t> </a:t>
+            </a:r>
+            <a:r>
+              <a:rPr lang="en-US" altLang="zh-CN" sz="2000" dirty="0"/>
+              <a:t>inputs.</a:t>
+            </a:r>
           </a:p>
           <a:p>
             <a:pPr marL="342900" indent="-342900">
@@ -5646,10 +5710,38 @@
             <a:endParaRPr lang="en-US" altLang="zh-CN" sz="2000" dirty="0"/>
           </a:p>
           <a:p>
-            <a:pPr marL="342900" indent="-342900">
+            <a:pPr marL="457200" indent="-457200">
               <a:buFont typeface="+mj-lt"/>
               <a:buAutoNum type="arabicPeriod"/>
             </a:pPr>
+            <a:r>
+              <a:rPr lang="en-US" altLang="zh-CN" sz="2000" dirty="0"/>
+              <a:t>Sacrifice</a:t>
+            </a:r>
+            <a:r>
+              <a:rPr lang="zh-CN" altLang="en-US" sz="2000" dirty="0"/>
+              <a:t> </a:t>
+            </a:r>
+            <a:r>
+              <a:rPr lang="en-US" altLang="zh-CN" sz="2000" dirty="0"/>
+              <a:t>precision</a:t>
+            </a:r>
+            <a:r>
+              <a:rPr lang="zh-CN" altLang="en-US" sz="2000" dirty="0"/>
+              <a:t> </a:t>
+            </a:r>
+            <a:r>
+              <a:rPr lang="en-US" altLang="zh-CN" sz="2000" dirty="0"/>
+              <a:t>for</a:t>
+            </a:r>
+            <a:r>
+              <a:rPr lang="zh-CN" altLang="en-US" sz="2000" dirty="0"/>
+              <a:t> </a:t>
+            </a:r>
+            <a:r>
+              <a:rPr lang="en-US" altLang="zh-CN" sz="2000" dirty="0"/>
+              <a:t>simplicity.</a:t>
+            </a:r>
             <a:endParaRPr lang="en-US" altLang="zh-CN" sz="1800" dirty="0"/>
           </a:p>
           <a:p>
@@ -5659,17 +5751,7 @@
             <a:endParaRPr lang="en-US" altLang="zh-CN" sz="1800" dirty="0"/>
           </a:p>
           <a:p>
-            <a:pPr marL="342900" indent="-342900">
-              <a:buFont typeface="+mj-lt"/>
-              <a:buAutoNum type="arabicPeriod"/>
-            </a:pPr>
-            <a:endParaRPr lang="en-US" altLang="zh-CN" sz="1800" dirty="0"/>
-          </a:p>
-          <a:p>
-            <a:pPr marL="0" indent="0">
-              <a:buNone/>
-            </a:pPr>
-            <a:endParaRPr lang="en-US" altLang="zh-CN" sz="1800" dirty="0"/>
+            <a:endParaRPr lang="en-US" altLang="zh-CN" dirty="0"/>
           </a:p>
           <a:p>
             <a:r>
@@ -6014,420 +6096,25 @@
           <a:chExt cx="0" cy="0"/>
         </a:xfrm>
       </p:grpSpPr>
-      <p:sp useBgFill="1">
-        <p:nvSpPr>
-          <p:cNvPr id="26" name="Rectangle 16">
-            <a:extLst>
-              <a:ext uri="{FF2B5EF4-FFF2-40B4-BE49-F238E27FC236}">
-                <a16:creationId xmlns:a16="http://schemas.microsoft.com/office/drawing/2014/main" id="{139AB947-785D-482B-A71B-C1C825A20DC4}"/>
-              </a:ext>
-              <a:ext uri="{C183D7F6-B498-43B3-948B-1728B52AA6E4}">
-                <adec:decorative xmlns:adec="http://schemas.microsoft.com/office/drawing/2017/decorative" val="1"/>
-              </a:ext>
-            </a:extLst>
-          </p:cNvPr>
-          <p:cNvSpPr>
-            <a:spLocks noGrp="1" noRot="1" noChangeAspect="1" noMove="1" noResize="1" noEditPoints="1" noAdjustHandles="1" noChangeArrowheads="1" noChangeShapeType="1" noTextEdit="1"/>
-          </p:cNvSpPr>
-          <p:nvPr>
-            <p:extLst>
-              <p:ext uri="{386F3935-93C4-4BCD-93E2-E3B085C9AB24}">
-                <p16:designElem xmlns:p16="http://schemas.microsoft.com/office/powerpoint/2015/main" val="1"/>
-              </p:ext>
-            </p:extLst>
+      <p:sp>
+        <p:nvSpPr>
+          <p:cNvPr id="2" name="Title 1">
+            <a:extLst>
+              <a:ext uri="{FF2B5EF4-FFF2-40B4-BE49-F238E27FC236}">
+                <a16:creationId xmlns:a16="http://schemas.microsoft.com/office/drawing/2014/main" id="{7AB41A37-CD95-B949-842E-4D41C8F604C7}"/>
+              </a:ext>
+            </a:extLst>
+          </p:cNvPr>
+          <p:cNvSpPr>
+            <a:spLocks noGrp="1"/>
+          </p:cNvSpPr>
+          <p:nvPr>
+            <p:ph type="title"/>
           </p:nvPr>
         </p:nvSpPr>
         <p:spPr>
           <a:xfrm>
-            <a:off x="0" y="0"/>
-            <a:ext cx="12192000" cy="6858000"/>
-          </a:xfrm>
-          <a:prstGeom prst="rect">
-            <a:avLst/>
-          </a:prstGeom>
-          <a:ln>
-            <a:noFill/>
-          </a:ln>
-        </p:spPr>
-        <p:style>
-          <a:lnRef idx="2">
-            <a:schemeClr val="accent1">
-              <a:shade val="50000"/>
-            </a:schemeClr>
-          </a:lnRef>
-          <a:fillRef idx="1">
-            <a:schemeClr val="accent1"/>
-          </a:fillRef>
-          <a:effectRef idx="0">
-            <a:schemeClr val="accent1"/>
-          </a:effectRef>
-          <a:fontRef idx="minor">
-            <a:schemeClr val="lt1"/>
-          </a:fontRef>
-        </p:style>
-        <p:txBody>
-          <a:bodyPr rtlCol="0" anchor="ctr"/>
-          <a:lstStyle/>
-          <a:p>
-            <a:pPr algn="ctr"/>
-            <a:endParaRPr lang="en-US"/>
-          </a:p>
-        </p:txBody>
-      </p:sp>
-      <p:sp useBgFill="1">
-        <p:nvSpPr>
-          <p:cNvPr id="27" name="Freeform: Shape 18">
-            <a:extLst>
-              <a:ext uri="{FF2B5EF4-FFF2-40B4-BE49-F238E27FC236}">
-                <a16:creationId xmlns:a16="http://schemas.microsoft.com/office/drawing/2014/main" id="{468A839C-B241-4F23-9A1D-CBCAFE6F5068}"/>
-              </a:ext>
-              <a:ext uri="{C183D7F6-B498-43B3-948B-1728B52AA6E4}">
-                <adec:decorative xmlns:adec="http://schemas.microsoft.com/office/drawing/2017/decorative" val="1"/>
-              </a:ext>
-            </a:extLst>
-          </p:cNvPr>
-          <p:cNvSpPr>
-            <a:spLocks noGrp="1" noRot="1" noChangeAspect="1" noMove="1" noResize="1" noEditPoints="1" noAdjustHandles="1" noChangeArrowheads="1" noChangeShapeType="1" noTextEdit="1"/>
-          </p:cNvSpPr>
-          <p:nvPr>
-            <p:extLst>
-              <p:ext uri="{386F3935-93C4-4BCD-93E2-E3B085C9AB24}">
-                <p16:designElem xmlns:p16="http://schemas.microsoft.com/office/powerpoint/2015/main" val="1"/>
-              </p:ext>
-            </p:extLst>
-          </p:nvPr>
-        </p:nvSpPr>
-        <p:spPr>
-          <a:xfrm>
-            <a:off x="-1" y="0"/>
-            <a:ext cx="6096002" cy="6858000"/>
-          </a:xfrm>
-          <a:custGeom>
-            <a:avLst/>
-            <a:gdLst>
-              <a:gd name="connsiteX0" fmla="*/ 0 w 6096002"/>
-              <a:gd name="connsiteY0" fmla="*/ 0 h 6858000"/>
-              <a:gd name="connsiteX1" fmla="*/ 4885967 w 6096002"/>
-              <a:gd name="connsiteY1" fmla="*/ 0 h 6858000"/>
-              <a:gd name="connsiteX2" fmla="*/ 4946007 w 6096002"/>
-              <a:gd name="connsiteY2" fmla="*/ 69271 h 6858000"/>
-              <a:gd name="connsiteX3" fmla="*/ 6096002 w 6096002"/>
-              <a:gd name="connsiteY3" fmla="*/ 3429000 h 6858000"/>
-              <a:gd name="connsiteX4" fmla="*/ 4946007 w 6096002"/>
-              <a:gd name="connsiteY4" fmla="*/ 6788730 h 6858000"/>
-              <a:gd name="connsiteX5" fmla="*/ 4885967 w 6096002"/>
-              <a:gd name="connsiteY5" fmla="*/ 6858000 h 6858000"/>
-              <a:gd name="connsiteX6" fmla="*/ 0 w 6096002"/>
-              <a:gd name="connsiteY6" fmla="*/ 6858000 h 6858000"/>
-            </a:gdLst>
-            <a:ahLst/>
-            <a:cxnLst>
-              <a:cxn ang="0">
-                <a:pos x="connsiteX0" y="connsiteY0"/>
-              </a:cxn>
-              <a:cxn ang="0">
-                <a:pos x="connsiteX1" y="connsiteY1"/>
-              </a:cxn>
-              <a:cxn ang="0">
-                <a:pos x="connsiteX2" y="connsiteY2"/>
-              </a:cxn>
-              <a:cxn ang="0">
-                <a:pos x="connsiteX3" y="connsiteY3"/>
-              </a:cxn>
-              <a:cxn ang="0">
-                <a:pos x="connsiteX4" y="connsiteY4"/>
-              </a:cxn>
-              <a:cxn ang="0">
-                <a:pos x="connsiteX5" y="connsiteY5"/>
-              </a:cxn>
-              <a:cxn ang="0">
-                <a:pos x="connsiteX6" y="connsiteY6"/>
-              </a:cxn>
-            </a:cxnLst>
-            <a:rect l="l" t="t" r="r" b="b"/>
-            <a:pathLst>
-              <a:path w="6096002" h="6858000">
-                <a:moveTo>
-                  <a:pt x="0" y="0"/>
-                </a:moveTo>
-                <a:lnTo>
-                  <a:pt x="4885967" y="0"/>
-                </a:lnTo>
-                <a:lnTo>
-                  <a:pt x="4946007" y="69271"/>
-                </a:lnTo>
-                <a:cubicBezTo>
-                  <a:pt x="5656533" y="929100"/>
-                  <a:pt x="6096002" y="2116944"/>
-                  <a:pt x="6096002" y="3429000"/>
-                </a:cubicBezTo>
-                <a:cubicBezTo>
-                  <a:pt x="6096002" y="4741056"/>
-                  <a:pt x="5656533" y="5928900"/>
-                  <a:pt x="4946007" y="6788730"/>
-                </a:cubicBezTo>
-                <a:lnTo>
-                  <a:pt x="4885967" y="6858000"/>
-                </a:lnTo>
-                <a:lnTo>
-                  <a:pt x="0" y="6858000"/>
-                </a:lnTo>
-                <a:close/>
-              </a:path>
-            </a:pathLst>
-          </a:custGeom>
-          <a:ln w="9525">
-            <a:solidFill>
-              <a:srgbClr val="EFEFEF"/>
-            </a:solidFill>
-          </a:ln>
-          <a:effectLst>
-            <a:outerShdw blurRad="88900" dist="38100" algn="l" rotWithShape="0">
-              <a:schemeClr val="bg1">
-                <a:lumMod val="85000"/>
-                <a:alpha val="50000"/>
-              </a:schemeClr>
-            </a:outerShdw>
-          </a:effectLst>
-        </p:spPr>
-        <p:style>
-          <a:lnRef idx="2">
-            <a:schemeClr val="accent1">
-              <a:shade val="50000"/>
-            </a:schemeClr>
-          </a:lnRef>
-          <a:fillRef idx="1">
-            <a:schemeClr val="accent1"/>
-          </a:fillRef>
-          <a:effectRef idx="0">
-            <a:schemeClr val="accent1"/>
-          </a:effectRef>
-          <a:fontRef idx="minor">
-            <a:schemeClr val="lt1"/>
-          </a:fontRef>
-        </p:style>
-        <p:txBody>
-          <a:bodyPr wrap="square" rtlCol="0" anchor="ctr">
-            <a:noAutofit/>
-          </a:bodyPr>
-          <a:lstStyle/>
-          <a:p>
-            <a:pPr marL="0" marR="0" lvl="0" indent="0" algn="ctr" defTabSz="914400" rtl="0" eaLnBrk="1" fontAlgn="auto" latinLnBrk="0" hangingPunct="1">
-              <a:lnSpc>
-                <a:spcPct val="100000"/>
-              </a:lnSpc>
-              <a:spcBef>
-                <a:spcPts val="0"/>
-              </a:spcBef>
-              <a:spcAft>
-                <a:spcPts val="0"/>
-              </a:spcAft>
-              <a:buClrTx/>
-              <a:buSzTx/>
-              <a:buFontTx/>
-              <a:buNone/>
-              <a:tabLst/>
-              <a:defRPr/>
-            </a:pPr>
-            <a:endParaRPr kumimoji="0" lang="en-US" sz="1800" b="0" i="0" u="none" strike="noStrike" kern="1200" cap="none" spc="0" normalizeH="0" baseline="0" noProof="0">
-              <a:ln>
-                <a:noFill/>
-              </a:ln>
-              <a:solidFill>
-                <a:prstClr val="white"/>
-              </a:solidFill>
-              <a:effectLst/>
-              <a:uLnTx/>
-              <a:uFillTx/>
-              <a:latin typeface="Calibri" panose="020F0502020204030204"/>
-              <a:ea typeface="+mn-ea"/>
-              <a:cs typeface="+mn-cs"/>
-            </a:endParaRPr>
-          </a:p>
-        </p:txBody>
-      </p:sp>
-      <p:sp useBgFill="1">
-        <p:nvSpPr>
-          <p:cNvPr id="28" name="Freeform: Shape 20">
-            <a:extLst>
-              <a:ext uri="{FF2B5EF4-FFF2-40B4-BE49-F238E27FC236}">
-                <a16:creationId xmlns:a16="http://schemas.microsoft.com/office/drawing/2014/main" id="{AF68CAD5-0452-48EC-94D8-91ED8F5EB7D8}"/>
-              </a:ext>
-              <a:ext uri="{C183D7F6-B498-43B3-948B-1728B52AA6E4}">
-                <adec:decorative xmlns:adec="http://schemas.microsoft.com/office/drawing/2017/decorative" val="1"/>
-              </a:ext>
-            </a:extLst>
-          </p:cNvPr>
-          <p:cNvSpPr>
-            <a:spLocks noGrp="1" noRot="1" noChangeAspect="1" noMove="1" noResize="1" noEditPoints="1" noAdjustHandles="1" noChangeArrowheads="1" noChangeShapeType="1" noTextEdit="1"/>
-          </p:cNvSpPr>
-          <p:nvPr>
-            <p:extLst>
-              <p:ext uri="{386F3935-93C4-4BCD-93E2-E3B085C9AB24}">
-                <p16:designElem xmlns:p16="http://schemas.microsoft.com/office/powerpoint/2015/main" val="1"/>
-              </p:ext>
-            </p:extLst>
-          </p:nvPr>
-        </p:nvSpPr>
-        <p:spPr>
-          <a:xfrm>
-            <a:off x="0" y="0"/>
-            <a:ext cx="6085370" cy="6858000"/>
-          </a:xfrm>
-          <a:custGeom>
-            <a:avLst/>
-            <a:gdLst>
-              <a:gd name="connsiteX0" fmla="*/ 0 w 6085370"/>
-              <a:gd name="connsiteY0" fmla="*/ 0 h 6858000"/>
-              <a:gd name="connsiteX1" fmla="*/ 4875335 w 6085370"/>
-              <a:gd name="connsiteY1" fmla="*/ 0 h 6858000"/>
-              <a:gd name="connsiteX2" fmla="*/ 4935375 w 6085370"/>
-              <a:gd name="connsiteY2" fmla="*/ 69271 h 6858000"/>
-              <a:gd name="connsiteX3" fmla="*/ 6085370 w 6085370"/>
-              <a:gd name="connsiteY3" fmla="*/ 3429000 h 6858000"/>
-              <a:gd name="connsiteX4" fmla="*/ 4935375 w 6085370"/>
-              <a:gd name="connsiteY4" fmla="*/ 6788730 h 6858000"/>
-              <a:gd name="connsiteX5" fmla="*/ 4875335 w 6085370"/>
-              <a:gd name="connsiteY5" fmla="*/ 6858000 h 6858000"/>
-              <a:gd name="connsiteX6" fmla="*/ 0 w 6085370"/>
-              <a:gd name="connsiteY6" fmla="*/ 6858000 h 6858000"/>
-            </a:gdLst>
-            <a:ahLst/>
-            <a:cxnLst>
-              <a:cxn ang="0">
-                <a:pos x="connsiteX0" y="connsiteY0"/>
-              </a:cxn>
-              <a:cxn ang="0">
-                <a:pos x="connsiteX1" y="connsiteY1"/>
-              </a:cxn>
-              <a:cxn ang="0">
-                <a:pos x="connsiteX2" y="connsiteY2"/>
-              </a:cxn>
-              <a:cxn ang="0">
-                <a:pos x="connsiteX3" y="connsiteY3"/>
-              </a:cxn>
-              <a:cxn ang="0">
-                <a:pos x="connsiteX4" y="connsiteY4"/>
-              </a:cxn>
-              <a:cxn ang="0">
-                <a:pos x="connsiteX5" y="connsiteY5"/>
-              </a:cxn>
-              <a:cxn ang="0">
-                <a:pos x="connsiteX6" y="connsiteY6"/>
-              </a:cxn>
-            </a:cxnLst>
-            <a:rect l="l" t="t" r="r" b="b"/>
-            <a:pathLst>
-              <a:path w="6085370" h="6858000">
-                <a:moveTo>
-                  <a:pt x="0" y="0"/>
-                </a:moveTo>
-                <a:lnTo>
-                  <a:pt x="4875335" y="0"/>
-                </a:lnTo>
-                <a:lnTo>
-                  <a:pt x="4935375" y="69271"/>
-                </a:lnTo>
-                <a:cubicBezTo>
-                  <a:pt x="5645901" y="929100"/>
-                  <a:pt x="6085370" y="2116944"/>
-                  <a:pt x="6085370" y="3429000"/>
-                </a:cubicBezTo>
-                <a:cubicBezTo>
-                  <a:pt x="6085370" y="4741056"/>
-                  <a:pt x="5645901" y="5928900"/>
-                  <a:pt x="4935375" y="6788730"/>
-                </a:cubicBezTo>
-                <a:lnTo>
-                  <a:pt x="4875335" y="6858000"/>
-                </a:lnTo>
-                <a:lnTo>
-                  <a:pt x="0" y="6858000"/>
-                </a:lnTo>
-                <a:close/>
-              </a:path>
-            </a:pathLst>
-          </a:custGeom>
-          <a:ln w="9525">
-            <a:noFill/>
-          </a:ln>
-          <a:effectLst/>
-        </p:spPr>
-        <p:style>
-          <a:lnRef idx="2">
-            <a:schemeClr val="accent1">
-              <a:shade val="50000"/>
-            </a:schemeClr>
-          </a:lnRef>
-          <a:fillRef idx="1">
-            <a:schemeClr val="accent1"/>
-          </a:fillRef>
-          <a:effectRef idx="0">
-            <a:schemeClr val="accent1"/>
-          </a:effectRef>
-          <a:fontRef idx="minor">
-            <a:schemeClr val="lt1"/>
-          </a:fontRef>
-        </p:style>
-        <p:txBody>
-          <a:bodyPr wrap="square" rtlCol="0" anchor="ctr">
-            <a:noAutofit/>
-          </a:bodyPr>
-          <a:lstStyle/>
-          <a:p>
-            <a:pPr marL="0" marR="0" lvl="0" indent="0" algn="ctr" defTabSz="914400" rtl="0" eaLnBrk="1" fontAlgn="auto" latinLnBrk="0" hangingPunct="1">
-              <a:lnSpc>
-                <a:spcPct val="100000"/>
-              </a:lnSpc>
-              <a:spcBef>
-                <a:spcPts val="0"/>
-              </a:spcBef>
-              <a:spcAft>
-                <a:spcPts val="0"/>
-              </a:spcAft>
-              <a:buClrTx/>
-              <a:buSzTx/>
-              <a:buFontTx/>
-              <a:buNone/>
-              <a:tabLst/>
-              <a:defRPr/>
-            </a:pPr>
-            <a:endParaRPr kumimoji="0" lang="en-US" sz="1800" b="0" i="0" u="none" strike="noStrike" kern="1200" cap="none" spc="0" normalizeH="0" baseline="0" noProof="0">
-              <a:ln>
-                <a:noFill/>
-              </a:ln>
-              <a:solidFill>
-                <a:prstClr val="white"/>
-              </a:solidFill>
-              <a:effectLst/>
-              <a:uLnTx/>
-              <a:uFillTx/>
-              <a:latin typeface="Calibri" panose="020F0502020204030204"/>
-              <a:ea typeface="+mn-ea"/>
-              <a:cs typeface="+mn-cs"/>
-            </a:endParaRPr>
-          </a:p>
-        </p:txBody>
-      </p:sp>
-      <p:sp>
-        <p:nvSpPr>
-          <p:cNvPr id="2" name="Title 1">
-            <a:extLst>
-              <a:ext uri="{FF2B5EF4-FFF2-40B4-BE49-F238E27FC236}">
-                <a16:creationId xmlns:a16="http://schemas.microsoft.com/office/drawing/2014/main" id="{7AB41A37-CD95-B949-842E-4D41C8F604C7}"/>
-              </a:ext>
-            </a:extLst>
-          </p:cNvPr>
-          <p:cNvSpPr>
-            <a:spLocks noGrp="1"/>
-          </p:cNvSpPr>
-          <p:nvPr>
-            <p:ph type="title"/>
-          </p:nvPr>
-        </p:nvSpPr>
-        <p:spPr>
-          <a:xfrm>
-            <a:off x="438912" y="859536"/>
+            <a:off x="184912" y="-274466"/>
             <a:ext cx="4837176" cy="1170432"/>
           </a:xfrm>
         </p:spPr>
@@ -6438,225 +6125,40 @@
           <a:lstStyle/>
           <a:p>
             <a:r>
-              <a:rPr lang="en-US" altLang="zh-CN" sz="3400"/>
+              <a:rPr lang="en-US" altLang="zh-CN" sz="3600" dirty="0"/>
               <a:t>Shiny</a:t>
             </a:r>
             <a:r>
-              <a:rPr lang="zh-CN" altLang="en-US" sz="3400"/>
-              <a:t> </a:t>
-            </a:r>
-            <a:r>
-              <a:rPr lang="en-US" altLang="zh-CN" sz="3400"/>
+              <a:rPr lang="zh-CN" altLang="en-US" sz="3600" dirty="0"/>
+              <a:t> </a:t>
+            </a:r>
+            <a:r>
+              <a:rPr lang="en-US" altLang="zh-CN" sz="3600" dirty="0"/>
               <a:t>Application</a:t>
             </a:r>
-            <a:endParaRPr lang="en-US" sz="3400"/>
-          </a:p>
-        </p:txBody>
-      </p:sp>
-      <p:sp>
-        <p:nvSpPr>
-          <p:cNvPr id="29" name="Rectangle 22">
-            <a:extLst>
-              <a:ext uri="{FF2B5EF4-FFF2-40B4-BE49-F238E27FC236}">
-                <a16:creationId xmlns:a16="http://schemas.microsoft.com/office/drawing/2014/main" id="{F89F292F-513F-4E95-9E51-6B736F17BDDD}"/>
-              </a:ext>
-              <a:ext uri="{C183D7F6-B498-43B3-948B-1728B52AA6E4}">
-                <adec:decorative xmlns:adec="http://schemas.microsoft.com/office/drawing/2017/decorative" val="1"/>
-              </a:ext>
-            </a:extLst>
-          </p:cNvPr>
-          <p:cNvSpPr>
-            <a:spLocks noGrp="1" noRot="1" noChangeAspect="1" noMove="1" noResize="1" noEditPoints="1" noAdjustHandles="1" noChangeArrowheads="1" noChangeShapeType="1" noTextEdit="1"/>
-          </p:cNvSpPr>
-          <p:nvPr>
-            <p:extLst>
-              <p:ext uri="{386F3935-93C4-4BCD-93E2-E3B085C9AB24}">
-                <p16:designElem xmlns:p16="http://schemas.microsoft.com/office/powerpoint/2015/main" val="1"/>
-              </p:ext>
-            </p:extLst>
-          </p:nvPr>
-        </p:nvSpPr>
-        <p:spPr>
-          <a:xfrm rot="5400000">
-            <a:off x="703236" y="363389"/>
-            <a:ext cx="73152" cy="548640"/>
-          </a:xfrm>
-          <a:prstGeom prst="rect">
-            <a:avLst/>
-          </a:prstGeom>
-          <a:solidFill>
-            <a:schemeClr val="accent2"/>
-          </a:solidFill>
-          <a:ln>
-            <a:noFill/>
-          </a:ln>
-        </p:spPr>
-        <p:style>
-          <a:lnRef idx="2">
-            <a:schemeClr val="accent1">
-              <a:shade val="50000"/>
-            </a:schemeClr>
-          </a:lnRef>
-          <a:fillRef idx="1">
-            <a:schemeClr val="accent1"/>
-          </a:fillRef>
-          <a:effectRef idx="0">
-            <a:schemeClr val="accent1"/>
-          </a:effectRef>
-          <a:fontRef idx="minor">
-            <a:schemeClr val="lt1"/>
-          </a:fontRef>
-        </p:style>
-        <p:txBody>
-          <a:bodyPr rtlCol="0" anchor="ctr"/>
-          <a:lstStyle/>
-          <a:p>
-            <a:pPr marL="0" marR="0" lvl="0" indent="0" algn="ctr" defTabSz="914400" rtl="0" eaLnBrk="1" fontAlgn="auto" latinLnBrk="0" hangingPunct="1">
-              <a:lnSpc>
-                <a:spcPct val="100000"/>
-              </a:lnSpc>
-              <a:spcBef>
-                <a:spcPts val="0"/>
-              </a:spcBef>
-              <a:spcAft>
-                <a:spcPts val="0"/>
-              </a:spcAft>
-              <a:buClrTx/>
-              <a:buSzTx/>
-              <a:buFontTx/>
-              <a:buNone/>
-              <a:tabLst/>
-              <a:defRPr/>
-            </a:pPr>
-            <a:endParaRPr kumimoji="0" lang="en-US" sz="1800" b="0" i="0" u="none" strike="noStrike" kern="1200" cap="none" spc="0" normalizeH="0" baseline="0" noProof="0">
-              <a:ln>
-                <a:noFill/>
-              </a:ln>
-              <a:solidFill>
-                <a:prstClr val="white"/>
-              </a:solidFill>
-              <a:effectLst/>
-              <a:uLnTx/>
-              <a:uFillTx/>
-              <a:latin typeface="Calibri" panose="020F0502020204030204"/>
-              <a:ea typeface="+mn-ea"/>
-              <a:cs typeface="+mn-cs"/>
-            </a:endParaRPr>
-          </a:p>
-        </p:txBody>
-      </p:sp>
-      <p:sp>
-        <p:nvSpPr>
-          <p:cNvPr id="25" name="Rectangle 24">
-            <a:extLst>
-              <a:ext uri="{FF2B5EF4-FFF2-40B4-BE49-F238E27FC236}">
-                <a16:creationId xmlns:a16="http://schemas.microsoft.com/office/drawing/2014/main" id="{13A52E0E-6908-496E-BB67-DDBF1EEC3B7B}"/>
-              </a:ext>
-              <a:ext uri="{C183D7F6-B498-43B3-948B-1728B52AA6E4}">
-                <adec:decorative xmlns:adec="http://schemas.microsoft.com/office/drawing/2017/decorative" val="1"/>
-              </a:ext>
-            </a:extLst>
-          </p:cNvPr>
-          <p:cNvSpPr>
-            <a:spLocks noGrp="1" noRot="1" noChangeAspect="1" noMove="1" noResize="1" noEditPoints="1" noAdjustHandles="1" noChangeArrowheads="1" noChangeShapeType="1" noTextEdit="1"/>
-          </p:cNvSpPr>
-          <p:nvPr>
-            <p:extLst>
-              <p:ext uri="{386F3935-93C4-4BCD-93E2-E3B085C9AB24}">
-                <p16:designElem xmlns:p16="http://schemas.microsoft.com/office/powerpoint/2015/main" val="1"/>
-              </p:ext>
-            </p:extLst>
+            <a:endParaRPr lang="en-US" sz="3600" dirty="0"/>
+          </a:p>
+        </p:txBody>
+      </p:sp>
+      <p:sp>
+        <p:nvSpPr>
+          <p:cNvPr id="3" name="Content Placeholder 2">
+            <a:extLst>
+              <a:ext uri="{FF2B5EF4-FFF2-40B4-BE49-F238E27FC236}">
+                <a16:creationId xmlns:a16="http://schemas.microsoft.com/office/drawing/2014/main" id="{029408C6-07D7-154A-832B-7A4B4C7B2660}"/>
+              </a:ext>
+            </a:extLst>
+          </p:cNvPr>
+          <p:cNvSpPr>
+            <a:spLocks noGrp="1"/>
+          </p:cNvSpPr>
+          <p:nvPr>
+            <p:ph idx="1"/>
           </p:nvPr>
         </p:nvSpPr>
         <p:spPr>
           <a:xfrm>
-            <a:off x="465492" y="2185062"/>
-            <a:ext cx="4937760" cy="18288"/>
-          </a:xfrm>
-          <a:prstGeom prst="rect">
-            <a:avLst/>
-          </a:prstGeom>
-          <a:solidFill>
-            <a:srgbClr val="D5D5D5"/>
-          </a:solidFill>
-          <a:ln w="3175">
-            <a:noFill/>
-          </a:ln>
-          <a:effectLst/>
-        </p:spPr>
-        <p:style>
-          <a:lnRef idx="2">
-            <a:schemeClr val="accent1">
-              <a:shade val="50000"/>
-            </a:schemeClr>
-          </a:lnRef>
-          <a:fillRef idx="1">
-            <a:schemeClr val="accent1"/>
-          </a:fillRef>
-          <a:effectRef idx="0">
-            <a:schemeClr val="accent1"/>
-          </a:effectRef>
-          <a:fontRef idx="minor">
-            <a:schemeClr val="lt1"/>
-          </a:fontRef>
-        </p:style>
-        <p:txBody>
-          <a:bodyPr rtlCol="0" anchor="ctr"/>
-          <a:lstStyle/>
-          <a:p>
-            <a:pPr marL="0" marR="0" lvl="0" indent="0" algn="ctr" defTabSz="914400" rtl="0" eaLnBrk="1" fontAlgn="auto" latinLnBrk="0" hangingPunct="1">
-              <a:lnSpc>
-                <a:spcPct val="100000"/>
-              </a:lnSpc>
-              <a:spcBef>
-                <a:spcPts val="0"/>
-              </a:spcBef>
-              <a:spcAft>
-                <a:spcPts val="0"/>
-              </a:spcAft>
-              <a:buClrTx/>
-              <a:buSzTx/>
-              <a:buFontTx/>
-              <a:buNone/>
-              <a:tabLst/>
-              <a:defRPr/>
-            </a:pPr>
-            <a:endParaRPr kumimoji="0" lang="en-US" sz="1800" b="0" i="0" u="none" strike="noStrike" kern="1200" cap="none" spc="0" normalizeH="0" baseline="0" noProof="0">
-              <a:ln>
-                <a:noFill/>
-              </a:ln>
-              <a:solidFill>
-                <a:prstClr val="white"/>
-              </a:solidFill>
-              <a:effectLst/>
-              <a:uLnTx/>
-              <a:uFillTx/>
-              <a:latin typeface="Calibri" panose="020F0502020204030204"/>
-              <a:ea typeface="+mn-ea"/>
-              <a:cs typeface="+mn-cs"/>
-            </a:endParaRPr>
-          </a:p>
-        </p:txBody>
-      </p:sp>
-      <p:sp>
-        <p:nvSpPr>
-          <p:cNvPr id="3" name="Content Placeholder 2">
-            <a:extLst>
-              <a:ext uri="{FF2B5EF4-FFF2-40B4-BE49-F238E27FC236}">
-                <a16:creationId xmlns:a16="http://schemas.microsoft.com/office/drawing/2014/main" id="{029408C6-07D7-154A-832B-7A4B4C7B2660}"/>
-              </a:ext>
-            </a:extLst>
-          </p:cNvPr>
-          <p:cNvSpPr>
-            <a:spLocks noGrp="1"/>
-          </p:cNvSpPr>
-          <p:nvPr>
-            <p:ph idx="1"/>
-          </p:nvPr>
-        </p:nvSpPr>
-        <p:spPr>
-          <a:xfrm>
-            <a:off x="438912" y="2514600"/>
+            <a:off x="184912" y="1176868"/>
             <a:ext cx="4837176" cy="3666744"/>
           </a:xfrm>
         </p:spPr>
@@ -6671,10 +6173,10 @@
               <a:buAutoNum type="arabicPeriod"/>
             </a:pPr>
             <a:r>
-              <a:rPr lang="en-US" sz="1800"/>
+              <a:rPr lang="en-US" sz="2000" dirty="0"/>
               <a:t>Function of changing unit</a:t>
             </a:r>
-            <a:endParaRPr lang="en-US" altLang="zh-CN" sz="1800"/>
+            <a:endParaRPr lang="en-US" altLang="zh-CN" sz="2000" dirty="0"/>
           </a:p>
           <a:p>
             <a:pPr marL="342900" indent="-342900">
@@ -6682,62 +6184,62 @@
               <a:buAutoNum type="arabicPeriod"/>
             </a:pPr>
             <a:r>
-              <a:rPr lang="en-US" altLang="zh-CN" sz="1800"/>
+              <a:rPr lang="en-US" altLang="zh-CN" sz="2000" dirty="0"/>
               <a:t>Color</a:t>
             </a:r>
             <a:r>
-              <a:rPr lang="zh-CN" altLang="en-US" sz="1800"/>
-              <a:t> </a:t>
-            </a:r>
-            <a:r>
-              <a:rPr lang="en-US" altLang="zh-CN" sz="1800"/>
+              <a:rPr lang="zh-CN" altLang="en-US" sz="2000" dirty="0"/>
+              <a:t> </a:t>
+            </a:r>
+            <a:r>
+              <a:rPr lang="en-US" altLang="zh-CN" sz="2000" dirty="0"/>
               <a:t>warning</a:t>
             </a:r>
             <a:r>
-              <a:rPr lang="zh-CN" altLang="en-US" sz="1800"/>
-              <a:t> </a:t>
-            </a:r>
-            <a:r>
-              <a:rPr lang="en-US" altLang="zh-CN" sz="1800"/>
+              <a:rPr lang="zh-CN" altLang="en-US" sz="2000" dirty="0"/>
+              <a:t> </a:t>
+            </a:r>
+            <a:r>
+              <a:rPr lang="en-US" altLang="zh-CN" sz="2000" dirty="0"/>
               <a:t>when</a:t>
             </a:r>
             <a:r>
-              <a:rPr lang="zh-CN" altLang="en-US" sz="1800"/>
-              <a:t> </a:t>
-            </a:r>
-            <a:r>
-              <a:rPr lang="en-US" altLang="zh-CN" sz="1800"/>
+              <a:rPr lang="zh-CN" altLang="en-US" sz="2000" dirty="0"/>
+              <a:t> </a:t>
+            </a:r>
+            <a:r>
+              <a:rPr lang="en-US" altLang="zh-CN" sz="2000" dirty="0"/>
               <a:t>your</a:t>
             </a:r>
             <a:r>
-              <a:rPr lang="zh-CN" altLang="en-US" sz="1800"/>
-              <a:t> </a:t>
-            </a:r>
-            <a:r>
-              <a:rPr lang="en-US" altLang="zh-CN" sz="1800"/>
+              <a:rPr lang="zh-CN" altLang="en-US" sz="2000" dirty="0"/>
+              <a:t> </a:t>
+            </a:r>
+            <a:r>
+              <a:rPr lang="en-US" altLang="zh-CN" sz="2000" dirty="0"/>
               <a:t>bodyfat</a:t>
             </a:r>
             <a:r>
-              <a:rPr lang="zh-CN" altLang="en-US" sz="1800"/>
-              <a:t> </a:t>
-            </a:r>
-            <a:r>
-              <a:rPr lang="en-US" altLang="zh-CN" sz="1800"/>
+              <a:rPr lang="zh-CN" altLang="en-US" sz="2000" dirty="0"/>
+              <a:t> </a:t>
+            </a:r>
+            <a:r>
+              <a:rPr lang="en-US" altLang="zh-CN" sz="2000" dirty="0"/>
               <a:t>is</a:t>
             </a:r>
             <a:r>
-              <a:rPr lang="zh-CN" altLang="en-US" sz="1800"/>
-              <a:t> </a:t>
-            </a:r>
-            <a:r>
-              <a:rPr lang="en-US" altLang="zh-CN" sz="1800"/>
+              <a:rPr lang="zh-CN" altLang="en-US" sz="2000" dirty="0"/>
+              <a:t> </a:t>
+            </a:r>
+            <a:r>
+              <a:rPr lang="en-US" altLang="zh-CN" sz="2000" dirty="0"/>
               <a:t>high.</a:t>
             </a:r>
             <a:r>
-              <a:rPr lang="zh-CN" altLang="en-US" sz="1800"/>
-              <a:t> </a:t>
-            </a:r>
-            <a:endParaRPr lang="en-US" altLang="zh-CN" sz="1800"/>
+              <a:rPr lang="zh-CN" altLang="en-US" sz="2000" dirty="0"/>
+              <a:t> </a:t>
+            </a:r>
+            <a:endParaRPr lang="en-US" altLang="zh-CN" sz="2000" dirty="0"/>
           </a:p>
           <a:p>
             <a:pPr marL="342900" indent="-342900">
@@ -6745,39 +6247,39 @@
               <a:buAutoNum type="arabicPeriod"/>
             </a:pPr>
             <a:r>
-              <a:rPr lang="en-US" altLang="zh-CN" sz="1800"/>
+              <a:rPr lang="en-US" altLang="zh-CN" sz="2000" dirty="0"/>
               <a:t>Body</a:t>
             </a:r>
             <a:r>
-              <a:rPr lang="zh-CN" altLang="en-US" sz="1800"/>
-              <a:t> </a:t>
-            </a:r>
-            <a:r>
-              <a:rPr lang="en-US" altLang="zh-CN" sz="1800"/>
+              <a:rPr lang="zh-CN" altLang="en-US" sz="2000" dirty="0"/>
+              <a:t> </a:t>
+            </a:r>
+            <a:r>
+              <a:rPr lang="en-US" altLang="zh-CN" sz="2000" dirty="0"/>
               <a:t>fat</a:t>
             </a:r>
             <a:r>
-              <a:rPr lang="zh-CN" altLang="en-US" sz="1800"/>
-              <a:t> </a:t>
-            </a:r>
-            <a:r>
-              <a:rPr lang="en-US" altLang="zh-CN" sz="1800"/>
+              <a:rPr lang="zh-CN" altLang="en-US" sz="2000" dirty="0"/>
+              <a:t> </a:t>
+            </a:r>
+            <a:r>
+              <a:rPr lang="en-US" altLang="zh-CN" sz="2000" dirty="0"/>
               <a:t>suggestion</a:t>
             </a:r>
             <a:r>
-              <a:rPr lang="zh-CN" altLang="en-US" sz="1800"/>
-              <a:t> </a:t>
-            </a:r>
-            <a:r>
-              <a:rPr lang="en-US" altLang="zh-CN" sz="1800"/>
+              <a:rPr lang="zh-CN" altLang="en-US" sz="2000" dirty="0"/>
+              <a:t> </a:t>
+            </a:r>
+            <a:r>
+              <a:rPr lang="en-US" altLang="zh-CN" sz="2000" dirty="0"/>
               <a:t>from</a:t>
             </a:r>
             <a:r>
-              <a:rPr lang="zh-CN" altLang="en-US" sz="1800"/>
-              <a:t> </a:t>
-            </a:r>
-            <a:r>
-              <a:rPr lang="en-US" sz="1800"/>
+              <a:rPr lang="zh-CN" altLang="en-US" sz="2000" dirty="0"/>
+              <a:t> </a:t>
+            </a:r>
+            <a:r>
+              <a:rPr lang="en-US" sz="2000" dirty="0"/>
               <a:t>American Council on Exercise</a:t>
             </a:r>
           </a:p>
@@ -6785,23 +6287,31 @@
             <a:pPr marL="0" indent="0">
               <a:buNone/>
             </a:pPr>
-            <a:endParaRPr lang="en-US" sz="1800"/>
+            <a:endParaRPr lang="en-US" sz="1800" dirty="0"/>
           </a:p>
         </p:txBody>
       </p:sp>
       <p:pic>
         <p:nvPicPr>
-          <p:cNvPr id="10" name="Picture 9" descr="Graphical user interface, application&#10;&#10;Description automatically generated">
-            <a:extLst>
-              <a:ext uri="{FF2B5EF4-FFF2-40B4-BE49-F238E27FC236}">
-                <a16:creationId xmlns:a16="http://schemas.microsoft.com/office/drawing/2014/main" id="{BCEE57D0-F187-6F47-9202-F02C4C3F62AF}"/>
+          <p:cNvPr id="13" name="Audio 12">
+            <a:hlinkClick r:id="" action="ppaction://media"/>
+            <a:extLst>
+              <a:ext uri="{FF2B5EF4-FFF2-40B4-BE49-F238E27FC236}">
+                <a16:creationId xmlns:a16="http://schemas.microsoft.com/office/drawing/2014/main" id="{378A50C4-DA3F-6D42-85C0-DB77FCC9C331}"/>
               </a:ext>
             </a:extLst>
           </p:cNvPr>
           <p:cNvPicPr>
             <a:picLocks noChangeAspect="1"/>
           </p:cNvPicPr>
-          <p:nvPr/>
+          <p:nvPr>
+            <a:audioFile r:link="rId2"/>
+            <p:extLst>
+              <p:ext uri="{DAA4B4D4-6D71-4841-9C94-3DE7FCFB9230}">
+                <p14:media xmlns:p14="http://schemas.microsoft.com/office/powerpoint/2010/main" r:embed="rId1"/>
+              </p:ext>
+            </p:extLst>
+          </p:nvPr>
         </p:nvPicPr>
         <p:blipFill>
           <a:blip r:embed="rId4"/>
@@ -6811,8 +6321,8 @@
         </p:blipFill>
         <p:spPr>
           <a:xfrm>
-            <a:off x="6568708" y="838025"/>
-            <a:ext cx="2505456" cy="1835246"/>
+            <a:off x="11226800" y="5892800"/>
+            <a:ext cx="812800" cy="812800"/>
           </a:xfrm>
           <a:prstGeom prst="rect">
             <a:avLst/>
@@ -6821,10 +6331,10 @@
       </p:pic>
       <p:pic>
         <p:nvPicPr>
-          <p:cNvPr id="7" name="Picture 6" descr="Graphical user interface, application&#10;&#10;Description automatically generated">
-            <a:extLst>
-              <a:ext uri="{FF2B5EF4-FFF2-40B4-BE49-F238E27FC236}">
-                <a16:creationId xmlns:a16="http://schemas.microsoft.com/office/drawing/2014/main" id="{2B3055EB-790E-B843-8393-6A369D5F9C56}"/>
+          <p:cNvPr id="14" name="Picture 13" descr="Chart&#10;&#10;Description automatically generated">
+            <a:extLst>
+              <a:ext uri="{FF2B5EF4-FFF2-40B4-BE49-F238E27FC236}">
+                <a16:creationId xmlns:a16="http://schemas.microsoft.com/office/drawing/2014/main" id="{C174BAD3-B4E9-E748-95D9-F5E4817AEED3}"/>
               </a:ext>
             </a:extLst>
           </p:cNvPr>
@@ -6841,8 +6351,8 @@
         </p:blipFill>
         <p:spPr>
           <a:xfrm>
-            <a:off x="9285429" y="838025"/>
-            <a:ext cx="2505456" cy="1835246"/>
+            <a:off x="5675243" y="473809"/>
+            <a:ext cx="6364357" cy="5405234"/>
           </a:xfrm>
           <a:prstGeom prst="rect">
             <a:avLst/>
@@ -6851,10 +6361,10 @@
       </p:pic>
       <p:pic>
         <p:nvPicPr>
-          <p:cNvPr id="12" name="Picture 11" descr="Graphical user interface, application&#10;&#10;Description automatically generated">
-            <a:extLst>
-              <a:ext uri="{FF2B5EF4-FFF2-40B4-BE49-F238E27FC236}">
-                <a16:creationId xmlns:a16="http://schemas.microsoft.com/office/drawing/2014/main" id="{137D93E0-6BEE-EA4F-9137-54BBFB151874}"/>
+          <p:cNvPr id="15" name="Picture 14" descr="A picture containing chart&#10;&#10;Description automatically generated">
+            <a:extLst>
+              <a:ext uri="{FF2B5EF4-FFF2-40B4-BE49-F238E27FC236}">
+                <a16:creationId xmlns:a16="http://schemas.microsoft.com/office/drawing/2014/main" id="{CD38C126-F3B7-364F-B3DE-01BBD235D123}"/>
               </a:ext>
             </a:extLst>
           </p:cNvPr>
@@ -6871,46 +6381,8 @@
         </p:blipFill>
         <p:spPr>
           <a:xfrm>
-            <a:off x="7084205" y="3125469"/>
-            <a:ext cx="4187867" cy="3057143"/>
-          </a:xfrm>
-          <a:prstGeom prst="rect">
-            <a:avLst/>
-          </a:prstGeom>
-        </p:spPr>
-      </p:pic>
-      <p:pic>
-        <p:nvPicPr>
-          <p:cNvPr id="13" name="Audio 12">
-            <a:hlinkClick r:id="" action="ppaction://media"/>
-            <a:extLst>
-              <a:ext uri="{FF2B5EF4-FFF2-40B4-BE49-F238E27FC236}">
-                <a16:creationId xmlns:a16="http://schemas.microsoft.com/office/drawing/2014/main" id="{378A50C4-DA3F-6D42-85C0-DB77FCC9C331}"/>
-              </a:ext>
-            </a:extLst>
-          </p:cNvPr>
-          <p:cNvPicPr>
-            <a:picLocks noChangeAspect="1"/>
-          </p:cNvPicPr>
-          <p:nvPr>
-            <a:audioFile r:link="rId2"/>
-            <p:extLst>
-              <p:ext uri="{DAA4B4D4-6D71-4841-9C94-3DE7FCFB9230}">
-                <p14:media xmlns:p14="http://schemas.microsoft.com/office/powerpoint/2010/main" r:embed="rId1"/>
-              </p:ext>
-            </p:extLst>
-          </p:nvPr>
-        </p:nvPicPr>
-        <p:blipFill>
-          <a:blip r:embed="rId7"/>
-          <a:stretch>
-            <a:fillRect/>
-          </a:stretch>
-        </p:blipFill>
-        <p:spPr>
-          <a:xfrm>
-            <a:off x="11226800" y="5892800"/>
-            <a:ext cx="812800" cy="812800"/>
+            <a:off x="820791" y="2716108"/>
+            <a:ext cx="4516522" cy="3849770"/>
           </a:xfrm>
           <a:prstGeom prst="rect">
             <a:avLst/>
@@ -7202,7 +6674,15 @@
             </a:pPr>
             <a:r>
               <a:rPr lang="en-US" altLang="zh-CN" sz="2000" dirty="0"/>
-              <a:t>PCA</a:t>
+              <a:t>Tree</a:t>
+            </a:r>
+            <a:r>
+              <a:rPr lang="zh-CN" altLang="en-US" sz="2000" dirty="0"/>
+              <a:t> </a:t>
+            </a:r>
+            <a:r>
+              <a:rPr lang="en-US" altLang="zh-CN" sz="2000" dirty="0"/>
+              <a:t>regression</a:t>
             </a:r>
             <a:r>
               <a:rPr lang="zh-CN" altLang="en-US" sz="2000" dirty="0"/>
